--- a/7. Javascript/Slides/JS Grundlagen.pptx
+++ b/7. Javascript/Slides/JS Grundlagen.pptx
@@ -44,7 +44,9 @@
     <p:sldId id="369" r:id="rId38"/>
     <p:sldId id="366" r:id="rId39"/>
     <p:sldId id="371" r:id="rId40"/>
-    <p:sldId id="292" r:id="rId41"/>
+    <p:sldId id="373" r:id="rId41"/>
+    <p:sldId id="374" r:id="rId42"/>
+    <p:sldId id="292" r:id="rId43"/>
   </p:sldIdLst>
   <p:sldSz cx="12192000" cy="6858000"/>
   <p:notesSz cx="6858000" cy="9144000"/>
@@ -302,7 +304,7 @@
           <a:p>
             <a:fld id="{B6D41BCC-AD73-4203-A5A6-E62EB28B0FE6}" type="datetimeFigureOut">
               <a:rPr lang="en-US" smtClean="0"/>
-              <a:t>10/23/2023</a:t>
+              <a:t>11/3/2023</a:t>
             </a:fld>
             <a:endParaRPr lang="en-US"/>
           </a:p>
@@ -510,7 +512,7 @@
           <a:p>
             <a:fld id="{B6D41BCC-AD73-4203-A5A6-E62EB28B0FE6}" type="datetimeFigureOut">
               <a:rPr lang="en-US" smtClean="0"/>
-              <a:t>10/23/2023</a:t>
+              <a:t>11/3/2023</a:t>
             </a:fld>
             <a:endParaRPr lang="en-US"/>
           </a:p>
@@ -718,7 +720,7 @@
           <a:p>
             <a:fld id="{B6D41BCC-AD73-4203-A5A6-E62EB28B0FE6}" type="datetimeFigureOut">
               <a:rPr lang="en-US" smtClean="0"/>
-              <a:t>10/23/2023</a:t>
+              <a:t>11/3/2023</a:t>
             </a:fld>
             <a:endParaRPr lang="en-US"/>
           </a:p>
@@ -916,7 +918,7 @@
           <a:p>
             <a:fld id="{B6D41BCC-AD73-4203-A5A6-E62EB28B0FE6}" type="datetimeFigureOut">
               <a:rPr lang="en-US" smtClean="0"/>
-              <a:t>10/23/2023</a:t>
+              <a:t>11/3/2023</a:t>
             </a:fld>
             <a:endParaRPr lang="en-US"/>
           </a:p>
@@ -1325,7 +1327,7 @@
           <a:p>
             <a:fld id="{B6D41BCC-AD73-4203-A5A6-E62EB28B0FE6}" type="datetimeFigureOut">
               <a:rPr lang="en-US" smtClean="0"/>
-              <a:t>10/23/2023</a:t>
+              <a:t>11/3/2023</a:t>
             </a:fld>
             <a:endParaRPr lang="en-US"/>
           </a:p>
@@ -1595,7 +1597,7 @@
           <a:p>
             <a:fld id="{B6D41BCC-AD73-4203-A5A6-E62EB28B0FE6}" type="datetimeFigureOut">
               <a:rPr lang="en-US" smtClean="0"/>
-              <a:t>10/23/2023</a:t>
+              <a:t>11/3/2023</a:t>
             </a:fld>
             <a:endParaRPr lang="en-US"/>
           </a:p>
@@ -2011,7 +2013,7 @@
           <a:p>
             <a:fld id="{B6D41BCC-AD73-4203-A5A6-E62EB28B0FE6}" type="datetimeFigureOut">
               <a:rPr lang="en-US" smtClean="0"/>
-              <a:t>10/23/2023</a:t>
+              <a:t>11/3/2023</a:t>
             </a:fld>
             <a:endParaRPr lang="en-US"/>
           </a:p>
@@ -2152,7 +2154,7 @@
           <a:p>
             <a:fld id="{B6D41BCC-AD73-4203-A5A6-E62EB28B0FE6}" type="datetimeFigureOut">
               <a:rPr lang="en-US" smtClean="0"/>
-              <a:t>10/23/2023</a:t>
+              <a:t>11/3/2023</a:t>
             </a:fld>
             <a:endParaRPr lang="en-US"/>
           </a:p>
@@ -2265,7 +2267,7 @@
           <a:p>
             <a:fld id="{B6D41BCC-AD73-4203-A5A6-E62EB28B0FE6}" type="datetimeFigureOut">
               <a:rPr lang="en-US" smtClean="0"/>
-              <a:t>10/23/2023</a:t>
+              <a:t>11/3/2023</a:t>
             </a:fld>
             <a:endParaRPr lang="en-US"/>
           </a:p>
@@ -2591,7 +2593,7 @@
           <a:p>
             <a:fld id="{B6D41BCC-AD73-4203-A5A6-E62EB28B0FE6}" type="datetimeFigureOut">
               <a:rPr lang="en-US" smtClean="0"/>
-              <a:t>10/23/2023</a:t>
+              <a:t>11/3/2023</a:t>
             </a:fld>
             <a:endParaRPr lang="en-US"/>
           </a:p>
@@ -2879,7 +2881,7 @@
           <a:p>
             <a:fld id="{B6D41BCC-AD73-4203-A5A6-E62EB28B0FE6}" type="datetimeFigureOut">
               <a:rPr lang="en-US" smtClean="0"/>
-              <a:t>10/23/2023</a:t>
+              <a:t>11/3/2023</a:t>
             </a:fld>
             <a:endParaRPr lang="en-US"/>
           </a:p>
@@ -3119,7 +3121,7 @@
             <a:fld id="{B6D41BCC-AD73-4203-A5A6-E62EB28B0FE6}" type="datetimeFigureOut">
               <a:rPr lang="en-US" smtClean="0"/>
               <a:pPr/>
-              <a:t>10/23/2023</a:t>
+              <a:t>11/3/2023</a:t>
             </a:fld>
             <a:endParaRPr lang="en-US"/>
           </a:p>
@@ -3593,7 +3595,7 @@
                 <a16:creationId xmlns:a16="http://schemas.microsoft.com/office/drawing/2014/main" id="{BE229233-9672-4675-99B7-6CBCEF1CD415}"/>
               </a:ext>
               <a:ext uri="{C183D7F6-B498-43B3-948B-1728B52AA6E4}">
-                <adec:decorative xmlns:adec="http://schemas.microsoft.com/office/drawing/2017/decorative" xmlns="" val="1"/>
+                <adec:decorative xmlns="" xmlns:adec="http://schemas.microsoft.com/office/drawing/2017/decorative" val="1"/>
               </a:ext>
             </a:extLst>
           </p:cNvPr>
@@ -3688,7 +3690,7 @@
                 <a16:creationId xmlns:a16="http://schemas.microsoft.com/office/drawing/2014/main" id="{EC5FF010-B53C-46BE-BEEF-AF926A00F67F}"/>
               </a:ext>
               <a:ext uri="{C183D7F6-B498-43B3-948B-1728B52AA6E4}">
-                <adec:decorative xmlns:adec="http://schemas.microsoft.com/office/drawing/2017/decorative" xmlns="" val="1"/>
+                <adec:decorative xmlns="" xmlns:adec="http://schemas.microsoft.com/office/drawing/2017/decorative" val="1"/>
               </a:ext>
             </a:extLst>
           </p:cNvPr>
@@ -3754,7 +3756,7 @@
                 <a16:creationId xmlns:a16="http://schemas.microsoft.com/office/drawing/2014/main" id="{8509AD9C-1F43-4138-A72B-8CA988EDD475}"/>
               </a:ext>
               <a:ext uri="{C183D7F6-B498-43B3-948B-1728B52AA6E4}">
-                <adec:decorative xmlns:adec="http://schemas.microsoft.com/office/drawing/2017/decorative" xmlns="" val="1"/>
+                <adec:decorative xmlns="" xmlns:adec="http://schemas.microsoft.com/office/drawing/2017/decorative" val="1"/>
               </a:ext>
             </a:extLst>
           </p:cNvPr>
@@ -3942,7 +3944,7 @@
                 <a16:creationId xmlns:a16="http://schemas.microsoft.com/office/drawing/2014/main" id="{BE229233-9672-4675-99B7-6CBCEF1CD415}"/>
               </a:ext>
               <a:ext uri="{C183D7F6-B498-43B3-948B-1728B52AA6E4}">
-                <adec:decorative xmlns:adec="http://schemas.microsoft.com/office/drawing/2017/decorative" xmlns="" val="1"/>
+                <adec:decorative xmlns="" xmlns:adec="http://schemas.microsoft.com/office/drawing/2017/decorative" val="1"/>
               </a:ext>
             </a:extLst>
           </p:cNvPr>
@@ -4037,7 +4039,7 @@
                 <a16:creationId xmlns:a16="http://schemas.microsoft.com/office/drawing/2014/main" id="{EC5FF010-B53C-46BE-BEEF-AF926A00F67F}"/>
               </a:ext>
               <a:ext uri="{C183D7F6-B498-43B3-948B-1728B52AA6E4}">
-                <adec:decorative xmlns:adec="http://schemas.microsoft.com/office/drawing/2017/decorative" xmlns="" val="1"/>
+                <adec:decorative xmlns="" xmlns:adec="http://schemas.microsoft.com/office/drawing/2017/decorative" val="1"/>
               </a:ext>
             </a:extLst>
           </p:cNvPr>
@@ -4103,7 +4105,7 @@
                 <a16:creationId xmlns:a16="http://schemas.microsoft.com/office/drawing/2014/main" id="{8509AD9C-1F43-4138-A72B-8CA988EDD475}"/>
               </a:ext>
               <a:ext uri="{C183D7F6-B498-43B3-948B-1728B52AA6E4}">
-                <adec:decorative xmlns:adec="http://schemas.microsoft.com/office/drawing/2017/decorative" xmlns="" val="1"/>
+                <adec:decorative xmlns="" xmlns:adec="http://schemas.microsoft.com/office/drawing/2017/decorative" val="1"/>
               </a:ext>
             </a:extLst>
           </p:cNvPr>
@@ -5504,7 +5506,7 @@
                 <a16:creationId xmlns:a16="http://schemas.microsoft.com/office/drawing/2014/main" id="{BE229233-9672-4675-99B7-6CBCEF1CD415}"/>
               </a:ext>
               <a:ext uri="{C183D7F6-B498-43B3-948B-1728B52AA6E4}">
-                <adec:decorative xmlns:adec="http://schemas.microsoft.com/office/drawing/2017/decorative" xmlns="" val="1"/>
+                <adec:decorative xmlns="" xmlns:adec="http://schemas.microsoft.com/office/drawing/2017/decorative" val="1"/>
               </a:ext>
             </a:extLst>
           </p:cNvPr>
@@ -5599,7 +5601,7 @@
                 <a16:creationId xmlns:a16="http://schemas.microsoft.com/office/drawing/2014/main" id="{EC5FF010-B53C-46BE-BEEF-AF926A00F67F}"/>
               </a:ext>
               <a:ext uri="{C183D7F6-B498-43B3-948B-1728B52AA6E4}">
-                <adec:decorative xmlns:adec="http://schemas.microsoft.com/office/drawing/2017/decorative" xmlns="" val="1"/>
+                <adec:decorative xmlns="" xmlns:adec="http://schemas.microsoft.com/office/drawing/2017/decorative" val="1"/>
               </a:ext>
             </a:extLst>
           </p:cNvPr>
@@ -5665,7 +5667,7 @@
                 <a16:creationId xmlns:a16="http://schemas.microsoft.com/office/drawing/2014/main" id="{8509AD9C-1F43-4138-A72B-8CA988EDD475}"/>
               </a:ext>
               <a:ext uri="{C183D7F6-B498-43B3-948B-1728B52AA6E4}">
-                <adec:decorative xmlns:adec="http://schemas.microsoft.com/office/drawing/2017/decorative" xmlns="" val="1"/>
+                <adec:decorative xmlns="" xmlns:adec="http://schemas.microsoft.com/office/drawing/2017/decorative" val="1"/>
               </a:ext>
             </a:extLst>
           </p:cNvPr>
@@ -9344,14 +9346,12 @@
               <a:rPr lang="de-AT" dirty="0" smtClean="0"/>
               <a:t>JS Berechnungen</a:t>
             </a:r>
-            <a:endParaRPr lang="de-AT" dirty="0" smtClean="0"/>
           </a:p>
           <a:p>
             <a:r>
               <a:rPr lang="de-AT" dirty="0" smtClean="0"/>
               <a:t>JS Datentypen</a:t>
             </a:r>
-            <a:endParaRPr lang="de-AT" dirty="0" smtClean="0"/>
           </a:p>
           <a:p>
             <a:pPr lvl="2"/>
@@ -10261,7 +10261,7 @@
                 <a16:creationId xmlns:a16="http://schemas.microsoft.com/office/drawing/2014/main" id="{BE229233-9672-4675-99B7-6CBCEF1CD415}"/>
               </a:ext>
               <a:ext uri="{C183D7F6-B498-43B3-948B-1728B52AA6E4}">
-                <adec:decorative xmlns:adec="http://schemas.microsoft.com/office/drawing/2017/decorative" xmlns="" val="1"/>
+                <adec:decorative xmlns="" xmlns:adec="http://schemas.microsoft.com/office/drawing/2017/decorative" val="1"/>
               </a:ext>
             </a:extLst>
           </p:cNvPr>
@@ -10356,7 +10356,7 @@
                 <a16:creationId xmlns:a16="http://schemas.microsoft.com/office/drawing/2014/main" id="{EC5FF010-B53C-46BE-BEEF-AF926A00F67F}"/>
               </a:ext>
               <a:ext uri="{C183D7F6-B498-43B3-948B-1728B52AA6E4}">
-                <adec:decorative xmlns:adec="http://schemas.microsoft.com/office/drawing/2017/decorative" xmlns="" val="1"/>
+                <adec:decorative xmlns="" xmlns:adec="http://schemas.microsoft.com/office/drawing/2017/decorative" val="1"/>
               </a:ext>
             </a:extLst>
           </p:cNvPr>
@@ -10422,7 +10422,7 @@
                 <a16:creationId xmlns:a16="http://schemas.microsoft.com/office/drawing/2014/main" id="{8509AD9C-1F43-4138-A72B-8CA988EDD475}"/>
               </a:ext>
               <a:ext uri="{C183D7F6-B498-43B3-948B-1728B52AA6E4}">
-                <adec:decorative xmlns:adec="http://schemas.microsoft.com/office/drawing/2017/decorative" xmlns="" val="1"/>
+                <adec:decorative xmlns="" xmlns:adec="http://schemas.microsoft.com/office/drawing/2017/decorative" val="1"/>
               </a:ext>
             </a:extLst>
           </p:cNvPr>
@@ -13581,7 +13581,7 @@
                 <a16:creationId xmlns:a16="http://schemas.microsoft.com/office/drawing/2014/main" id="{BE229233-9672-4675-99B7-6CBCEF1CD415}"/>
               </a:ext>
               <a:ext uri="{C183D7F6-B498-43B3-948B-1728B52AA6E4}">
-                <adec:decorative xmlns:adec="http://schemas.microsoft.com/office/drawing/2017/decorative" xmlns="" val="1"/>
+                <adec:decorative xmlns="" xmlns:adec="http://schemas.microsoft.com/office/drawing/2017/decorative" val="1"/>
               </a:ext>
             </a:extLst>
           </p:cNvPr>
@@ -13676,7 +13676,7 @@
                 <a16:creationId xmlns:a16="http://schemas.microsoft.com/office/drawing/2014/main" id="{EC5FF010-B53C-46BE-BEEF-AF926A00F67F}"/>
               </a:ext>
               <a:ext uri="{C183D7F6-B498-43B3-948B-1728B52AA6E4}">
-                <adec:decorative xmlns:adec="http://schemas.microsoft.com/office/drawing/2017/decorative" xmlns="" val="1"/>
+                <adec:decorative xmlns="" xmlns:adec="http://schemas.microsoft.com/office/drawing/2017/decorative" val="1"/>
               </a:ext>
             </a:extLst>
           </p:cNvPr>
@@ -13742,7 +13742,7 @@
                 <a16:creationId xmlns:a16="http://schemas.microsoft.com/office/drawing/2014/main" id="{8509AD9C-1F43-4138-A72B-8CA988EDD475}"/>
               </a:ext>
               <a:ext uri="{C183D7F6-B498-43B3-948B-1728B52AA6E4}">
-                <adec:decorative xmlns:adec="http://schemas.microsoft.com/office/drawing/2017/decorative" xmlns="" val="1"/>
+                <adec:decorative xmlns="" xmlns:adec="http://schemas.microsoft.com/office/drawing/2017/decorative" val="1"/>
               </a:ext>
             </a:extLst>
           </p:cNvPr>
@@ -13930,7 +13930,7 @@
                 <a16:creationId xmlns:a16="http://schemas.microsoft.com/office/drawing/2014/main" id="{BE229233-9672-4675-99B7-6CBCEF1CD415}"/>
               </a:ext>
               <a:ext uri="{C183D7F6-B498-43B3-948B-1728B52AA6E4}">
-                <adec:decorative xmlns:adec="http://schemas.microsoft.com/office/drawing/2017/decorative" xmlns="" val="1"/>
+                <adec:decorative xmlns="" xmlns:adec="http://schemas.microsoft.com/office/drawing/2017/decorative" val="1"/>
               </a:ext>
             </a:extLst>
           </p:cNvPr>
@@ -14025,7 +14025,7 @@
                 <a16:creationId xmlns:a16="http://schemas.microsoft.com/office/drawing/2014/main" id="{EC5FF010-B53C-46BE-BEEF-AF926A00F67F}"/>
               </a:ext>
               <a:ext uri="{C183D7F6-B498-43B3-948B-1728B52AA6E4}">
-                <adec:decorative xmlns:adec="http://schemas.microsoft.com/office/drawing/2017/decorative" xmlns="" val="1"/>
+                <adec:decorative xmlns="" xmlns:adec="http://schemas.microsoft.com/office/drawing/2017/decorative" val="1"/>
               </a:ext>
             </a:extLst>
           </p:cNvPr>
@@ -14091,7 +14091,7 @@
                 <a16:creationId xmlns:a16="http://schemas.microsoft.com/office/drawing/2014/main" id="{8509AD9C-1F43-4138-A72B-8CA988EDD475}"/>
               </a:ext>
               <a:ext uri="{C183D7F6-B498-43B3-948B-1728B52AA6E4}">
-                <adec:decorative xmlns:adec="http://schemas.microsoft.com/office/drawing/2017/decorative" xmlns="" val="1"/>
+                <adec:decorative xmlns="" xmlns:adec="http://schemas.microsoft.com/office/drawing/2017/decorative" val="1"/>
               </a:ext>
             </a:extLst>
           </p:cNvPr>
@@ -17809,15 +17809,7 @@
           <a:p>
             <a:r>
               <a:rPr lang="de-AT" dirty="0" smtClean="0"/>
-              <a:t>Projekt</a:t>
-            </a:r>
-            <a:r>
-              <a:rPr lang="de-AT" dirty="0" smtClean="0"/>
-              <a:t>: </a:t>
-            </a:r>
-            <a:r>
-              <a:rPr lang="de-AT" dirty="0" smtClean="0"/>
-              <a:t>Portfolio Website </a:t>
+              <a:t>Projekt: Portfolio Website </a:t>
             </a:r>
             <a:endParaRPr lang="en-US" dirty="0"/>
           </a:p>
@@ -18232,6 +18224,1407 @@
 </file>
 
 <file path=ppt/slides/slide40.xml><?xml version="1.0" encoding="utf-8"?>
+<p:sld xmlns:a="http://schemas.openxmlformats.org/drawingml/2006/main" xmlns:r="http://schemas.openxmlformats.org/officeDocument/2006/relationships" xmlns:p="http://schemas.openxmlformats.org/presentationml/2006/main">
+  <p:cSld>
+    <p:bg>
+      <p:bgPr>
+        <a:solidFill>
+          <a:schemeClr val="bg1"/>
+        </a:solidFill>
+        <a:effectLst/>
+      </p:bgPr>
+    </p:bg>
+    <p:spTree>
+      <p:nvGrpSpPr>
+        <p:cNvPr id="1" name=""/>
+        <p:cNvGrpSpPr/>
+        <p:nvPr/>
+      </p:nvGrpSpPr>
+      <p:grpSpPr>
+        <a:xfrm>
+          <a:off x="0" y="0"/>
+          <a:ext cx="0" cy="0"/>
+          <a:chOff x="0" y="0"/>
+          <a:chExt cx="0" cy="0"/>
+        </a:xfrm>
+      </p:grpSpPr>
+      <p:sp>
+        <p:nvSpPr>
+          <p:cNvPr id="9" name="Rectangle 8">
+            <a:extLst>
+              <a:ext uri="{FF2B5EF4-FFF2-40B4-BE49-F238E27FC236}">
+                <a16:creationId xmlns:a16="http://schemas.microsoft.com/office/drawing/2014/main" id="{BE229233-9672-4675-99B7-6CBCEF1CD415}"/>
+              </a:ext>
+              <a:ext uri="{C183D7F6-B498-43B3-948B-1728B52AA6E4}">
+                <adec:decorative xmlns="" xmlns:adec="http://schemas.microsoft.com/office/drawing/2017/decorative" val="1"/>
+              </a:ext>
+            </a:extLst>
+          </p:cNvPr>
+          <p:cNvSpPr>
+            <a:spLocks noGrp="1" noRot="1" noChangeAspect="1" noMove="1" noResize="1" noEditPoints="1" noAdjustHandles="1" noChangeArrowheads="1" noChangeShapeType="1" noTextEdit="1"/>
+          </p:cNvSpPr>
+          <p:nvPr>
+            <p:extLst>
+              <p:ext uri="{386F3935-93C4-4BCD-93E2-E3B085C9AB24}">
+                <p16:designElem xmlns:p16="http://schemas.microsoft.com/office/powerpoint/2015/main" val="1"/>
+              </p:ext>
+            </p:extLst>
+          </p:nvPr>
+        </p:nvSpPr>
+        <p:spPr>
+          <a:xfrm>
+            <a:off x="0" y="0"/>
+            <a:ext cx="12192000" cy="6858000"/>
+          </a:xfrm>
+          <a:prstGeom prst="rect">
+            <a:avLst/>
+          </a:prstGeom>
+          <a:solidFill>
+            <a:schemeClr val="bg1"/>
+          </a:solidFill>
+          <a:ln w="12700" cap="flat" cmpd="sng" algn="ctr">
+            <a:noFill/>
+            <a:prstDash val="solid"/>
+            <a:miter lim="800000"/>
+          </a:ln>
+          <a:effectLst/>
+        </p:spPr>
+        <p:style>
+          <a:lnRef idx="2">
+            <a:schemeClr val="accent1">
+              <a:shade val="50000"/>
+            </a:schemeClr>
+          </a:lnRef>
+          <a:fillRef idx="1">
+            <a:schemeClr val="accent1"/>
+          </a:fillRef>
+          <a:effectRef idx="0">
+            <a:schemeClr val="accent1"/>
+          </a:effectRef>
+          <a:fontRef idx="minor">
+            <a:schemeClr val="lt1"/>
+          </a:fontRef>
+        </p:style>
+        <p:txBody>
+          <a:bodyPr rtlCol="0" anchor="ctr"/>
+          <a:lstStyle/>
+          <a:p>
+            <a:pPr algn="ctr"/>
+            <a:endParaRPr lang="en-US"/>
+          </a:p>
+        </p:txBody>
+      </p:sp>
+      <p:pic>
+        <p:nvPicPr>
+          <p:cNvPr id="4" name="Picture 3" descr="Ein Bild, das Screenshot, Wasser, Blau, unterwasser enthält.&#10;&#10;Automatisch generierte Beschreibung">
+            <a:extLst>
+              <a:ext uri="{FF2B5EF4-FFF2-40B4-BE49-F238E27FC236}">
+                <a16:creationId xmlns:a16="http://schemas.microsoft.com/office/drawing/2014/main" id="{8888D5D7-5569-BBD7-CF94-2A7F62111266}"/>
+              </a:ext>
+            </a:extLst>
+          </p:cNvPr>
+          <p:cNvPicPr>
+            <a:picLocks noChangeAspect="1"/>
+          </p:cNvPicPr>
+          <p:nvPr/>
+        </p:nvPicPr>
+        <p:blipFill rotWithShape="1">
+          <a:blip r:embed="rId2"/>
+          <a:srcRect l="154" r="33284"/>
+          <a:stretch/>
+        </p:blipFill>
+        <p:spPr>
+          <a:xfrm>
+            <a:off x="20" y="-2"/>
+            <a:ext cx="8115280" cy="6858001"/>
+          </a:xfrm>
+          <a:prstGeom prst="rect">
+            <a:avLst/>
+          </a:prstGeom>
+        </p:spPr>
+      </p:pic>
+      <p:sp>
+        <p:nvSpPr>
+          <p:cNvPr id="11" name="Rectangle 10">
+            <a:extLst>
+              <a:ext uri="{FF2B5EF4-FFF2-40B4-BE49-F238E27FC236}">
+                <a16:creationId xmlns:a16="http://schemas.microsoft.com/office/drawing/2014/main" id="{EC5FF010-B53C-46BE-BEEF-AF926A00F67F}"/>
+              </a:ext>
+              <a:ext uri="{C183D7F6-B498-43B3-948B-1728B52AA6E4}">
+                <adec:decorative xmlns="" xmlns:adec="http://schemas.microsoft.com/office/drawing/2017/decorative" val="1"/>
+              </a:ext>
+            </a:extLst>
+          </p:cNvPr>
+          <p:cNvSpPr>
+            <a:spLocks noGrp="1" noRot="1" noChangeAspect="1" noMove="1" noResize="1" noEditPoints="1" noAdjustHandles="1" noChangeArrowheads="1" noChangeShapeType="1" noTextEdit="1"/>
+          </p:cNvSpPr>
+          <p:nvPr>
+            <p:extLst>
+              <p:ext uri="{386F3935-93C4-4BCD-93E2-E3B085C9AB24}">
+                <p16:designElem xmlns:p16="http://schemas.microsoft.com/office/powerpoint/2015/main" val="1"/>
+              </p:ext>
+            </p:extLst>
+          </p:nvPr>
+        </p:nvSpPr>
+        <p:spPr>
+          <a:xfrm>
+            <a:off x="3238500" y="2057400"/>
+            <a:ext cx="4876800" cy="2743201"/>
+          </a:xfrm>
+          <a:prstGeom prst="rect">
+            <a:avLst/>
+          </a:prstGeom>
+          <a:solidFill>
+            <a:schemeClr val="bg1"/>
+          </a:solidFill>
+          <a:ln w="12700" cap="flat" cmpd="sng" algn="ctr">
+            <a:noFill/>
+            <a:prstDash val="solid"/>
+            <a:miter lim="800000"/>
+          </a:ln>
+          <a:effectLst/>
+        </p:spPr>
+        <p:style>
+          <a:lnRef idx="2">
+            <a:schemeClr val="accent1">
+              <a:shade val="50000"/>
+            </a:schemeClr>
+          </a:lnRef>
+          <a:fillRef idx="1">
+            <a:schemeClr val="accent1"/>
+          </a:fillRef>
+          <a:effectRef idx="0">
+            <a:schemeClr val="accent1"/>
+          </a:effectRef>
+          <a:fontRef idx="minor">
+            <a:schemeClr val="lt1"/>
+          </a:fontRef>
+        </p:style>
+        <p:txBody>
+          <a:bodyPr rtlCol="0" anchor="ctr"/>
+          <a:lstStyle/>
+          <a:p>
+            <a:pPr algn="ctr"/>
+            <a:endParaRPr lang="en-US"/>
+          </a:p>
+        </p:txBody>
+      </p:sp>
+      <p:sp>
+        <p:nvSpPr>
+          <p:cNvPr id="13" name="Rectangle 12">
+            <a:extLst>
+              <a:ext uri="{FF2B5EF4-FFF2-40B4-BE49-F238E27FC236}">
+                <a16:creationId xmlns:a16="http://schemas.microsoft.com/office/drawing/2014/main" id="{8509AD9C-1F43-4138-A72B-8CA988EDD475}"/>
+              </a:ext>
+              <a:ext uri="{C183D7F6-B498-43B3-948B-1728B52AA6E4}">
+                <adec:decorative xmlns="" xmlns:adec="http://schemas.microsoft.com/office/drawing/2017/decorative" val="1"/>
+              </a:ext>
+            </a:extLst>
+          </p:cNvPr>
+          <p:cNvSpPr>
+            <a:spLocks noGrp="1" noRot="1" noChangeAspect="1" noMove="1" noResize="1" noEditPoints="1" noAdjustHandles="1" noChangeArrowheads="1" noChangeShapeType="1" noTextEdit="1"/>
+          </p:cNvSpPr>
+          <p:nvPr>
+            <p:extLst>
+              <p:ext uri="{386F3935-93C4-4BCD-93E2-E3B085C9AB24}">
+                <p16:designElem xmlns:p16="http://schemas.microsoft.com/office/powerpoint/2015/main" val="1"/>
+              </p:ext>
+            </p:extLst>
+          </p:nvPr>
+        </p:nvSpPr>
+        <p:spPr>
+          <a:xfrm>
+            <a:off x="8115300" y="2057400"/>
+            <a:ext cx="3276600" cy="2743201"/>
+          </a:xfrm>
+          <a:prstGeom prst="rect">
+            <a:avLst/>
+          </a:prstGeom>
+          <a:solidFill>
+            <a:schemeClr val="bg2"/>
+          </a:solidFill>
+          <a:ln w="12700" cap="flat" cmpd="sng" algn="ctr">
+            <a:noFill/>
+            <a:prstDash val="solid"/>
+            <a:miter lim="800000"/>
+          </a:ln>
+          <a:effectLst/>
+        </p:spPr>
+        <p:style>
+          <a:lnRef idx="2">
+            <a:schemeClr val="accent1">
+              <a:shade val="50000"/>
+            </a:schemeClr>
+          </a:lnRef>
+          <a:fillRef idx="1">
+            <a:schemeClr val="accent1"/>
+          </a:fillRef>
+          <a:effectRef idx="0">
+            <a:schemeClr val="accent1"/>
+          </a:effectRef>
+          <a:fontRef idx="minor">
+            <a:schemeClr val="lt1"/>
+          </a:fontRef>
+        </p:style>
+        <p:txBody>
+          <a:bodyPr rtlCol="0" anchor="ctr"/>
+          <a:lstStyle/>
+          <a:p>
+            <a:pPr algn="ctr"/>
+            <a:endParaRPr lang="en-US"/>
+          </a:p>
+        </p:txBody>
+      </p:sp>
+      <p:sp>
+        <p:nvSpPr>
+          <p:cNvPr id="2" name="Titel 1">
+            <a:extLst>
+              <a:ext uri="{FF2B5EF4-FFF2-40B4-BE49-F238E27FC236}">
+                <a16:creationId xmlns:a16="http://schemas.microsoft.com/office/drawing/2014/main" id="{C116823A-F0C0-9F76-4B25-AE0CF378C7B1}"/>
+              </a:ext>
+            </a:extLst>
+          </p:cNvPr>
+          <p:cNvSpPr>
+            <a:spLocks noGrp="1"/>
+          </p:cNvSpPr>
+          <p:nvPr>
+            <p:ph type="ctrTitle"/>
+          </p:nvPr>
+        </p:nvSpPr>
+        <p:spPr>
+          <a:xfrm>
+            <a:off x="3305909" y="2505059"/>
+            <a:ext cx="4686299" cy="1853023"/>
+          </a:xfrm>
+        </p:spPr>
+        <p:txBody>
+          <a:bodyPr anchor="ctr">
+            <a:normAutofit/>
+          </a:bodyPr>
+          <a:lstStyle/>
+          <a:p>
+            <a:pPr algn="ctr"/>
+            <a:r>
+              <a:rPr lang="de-AT" sz="3200" dirty="0" smtClean="0"/>
+              <a:t>Zusatz: </a:t>
+            </a:r>
+            <a:br>
+              <a:rPr lang="de-AT" sz="3200" dirty="0" smtClean="0"/>
+            </a:br>
+            <a:r>
+              <a:rPr lang="de-AT" sz="3200" dirty="0" smtClean="0"/>
+              <a:t>Variablen </a:t>
+            </a:r>
+            <a:r>
+              <a:rPr lang="de-AT" sz="3200" dirty="0" err="1" smtClean="0"/>
+              <a:t>Benamung</a:t>
+            </a:r>
+            <a:endParaRPr lang="de-AT" sz="3200" dirty="0"/>
+          </a:p>
+        </p:txBody>
+      </p:sp>
+      <p:pic>
+        <p:nvPicPr>
+          <p:cNvPr id="2050" name="Picture 2" descr="JavaScript logo and symbol, meaning, history, PNG"/>
+          <p:cNvPicPr>
+            <a:picLocks noChangeAspect="1" noChangeArrowheads="1"/>
+          </p:cNvPicPr>
+          <p:nvPr/>
+        </p:nvPicPr>
+        <p:blipFill>
+          <a:blip r:embed="rId3" cstate="hqprint">
+            <a:extLst>
+              <a:ext uri="{28A0092B-C50C-407E-A947-70E740481C1C}">
+                <a14:useLocalDpi xmlns:a14="http://schemas.microsoft.com/office/drawing/2010/main" val="0"/>
+              </a:ext>
+            </a:extLst>
+          </a:blip>
+          <a:srcRect/>
+          <a:stretch>
+            <a:fillRect/>
+          </a:stretch>
+        </p:blipFill>
+        <p:spPr bwMode="auto">
+          <a:xfrm>
+            <a:off x="7856172" y="2210667"/>
+            <a:ext cx="3898658" cy="2436661"/>
+          </a:xfrm>
+          <a:prstGeom prst="rect">
+            <a:avLst/>
+          </a:prstGeom>
+          <a:noFill/>
+          <a:extLst>
+            <a:ext uri="{909E8E84-426E-40DD-AFC4-6F175D3DCCD1}">
+              <a14:hiddenFill xmlns:a14="http://schemas.microsoft.com/office/drawing/2010/main">
+                <a:solidFill>
+                  <a:srgbClr val="FFFFFF"/>
+                </a:solidFill>
+              </a14:hiddenFill>
+            </a:ext>
+          </a:extLst>
+        </p:spPr>
+      </p:pic>
+    </p:spTree>
+    <p:extLst>
+      <p:ext uri="{BB962C8B-B14F-4D97-AF65-F5344CB8AC3E}">
+        <p14:creationId xmlns:p14="http://schemas.microsoft.com/office/powerpoint/2010/main" val="3151448437"/>
+      </p:ext>
+    </p:extLst>
+  </p:cSld>
+  <p:clrMapOvr>
+    <a:masterClrMapping/>
+  </p:clrMapOvr>
+  <p:timing>
+    <p:tnLst>
+      <p:par>
+        <p:cTn id="1" dur="indefinite" restart="never" nodeType="tmRoot"/>
+      </p:par>
+    </p:tnLst>
+  </p:timing>
+</p:sld>
+</file>
+
+<file path=ppt/slides/slide41.xml><?xml version="1.0" encoding="utf-8"?>
+<p:sld xmlns:a="http://schemas.openxmlformats.org/drawingml/2006/main" xmlns:r="http://schemas.openxmlformats.org/officeDocument/2006/relationships" xmlns:p="http://schemas.openxmlformats.org/presentationml/2006/main">
+  <p:cSld>
+    <p:spTree>
+      <p:nvGrpSpPr>
+        <p:cNvPr id="1" name=""/>
+        <p:cNvGrpSpPr/>
+        <p:nvPr/>
+      </p:nvGrpSpPr>
+      <p:grpSpPr>
+        <a:xfrm>
+          <a:off x="0" y="0"/>
+          <a:ext cx="0" cy="0"/>
+          <a:chOff x="0" y="0"/>
+          <a:chExt cx="0" cy="0"/>
+        </a:xfrm>
+      </p:grpSpPr>
+      <p:sp>
+        <p:nvSpPr>
+          <p:cNvPr id="2" name="Titel 1"/>
+          <p:cNvSpPr>
+            <a:spLocks noGrp="1"/>
+          </p:cNvSpPr>
+          <p:nvPr>
+            <p:ph type="title"/>
+          </p:nvPr>
+        </p:nvSpPr>
+        <p:spPr/>
+        <p:txBody>
+          <a:bodyPr/>
+          <a:lstStyle/>
+          <a:p>
+            <a:r>
+              <a:rPr lang="de-AT" dirty="0" smtClean="0"/>
+              <a:t>Top 10 der schlechtesten Variablennamen</a:t>
+            </a:r>
+            <a:endParaRPr lang="en-US" dirty="0"/>
+          </a:p>
+        </p:txBody>
+      </p:sp>
+      <p:sp>
+        <p:nvSpPr>
+          <p:cNvPr id="3" name="Inhaltsplatzhalter 2"/>
+          <p:cNvSpPr>
+            <a:spLocks noGrp="1"/>
+          </p:cNvSpPr>
+          <p:nvPr>
+            <p:ph idx="1"/>
+          </p:nvPr>
+        </p:nvSpPr>
+        <p:spPr>
+          <a:xfrm>
+            <a:off x="1638299" y="1837592"/>
+            <a:ext cx="8915402" cy="4677508"/>
+          </a:xfrm>
+        </p:spPr>
+        <p:txBody>
+          <a:bodyPr>
+            <a:normAutofit fontScale="85000" lnSpcReduction="20000"/>
+          </a:bodyPr>
+          <a:lstStyle/>
+          <a:p>
+            <a:r>
+              <a:rPr lang="de-AT" dirty="0" smtClean="0"/>
+              <a:t>ohne Bedeutung</a:t>
+            </a:r>
+            <a:endParaRPr lang="de-AT" dirty="0"/>
+          </a:p>
+          <a:p>
+            <a:pPr lvl="1"/>
+            <a:r>
+              <a:rPr lang="de-AT" dirty="0" err="1" smtClean="0"/>
+              <a:t>data</a:t>
+            </a:r>
+            <a:endParaRPr lang="de-AT" dirty="0" smtClean="0"/>
+          </a:p>
+          <a:p>
+            <a:pPr lvl="1"/>
+            <a:r>
+              <a:rPr lang="de-AT" dirty="0" err="1" smtClean="0"/>
+              <a:t>temp</a:t>
+            </a:r>
+            <a:endParaRPr lang="de-AT" dirty="0"/>
+          </a:p>
+          <a:p>
+            <a:pPr lvl="1"/>
+            <a:r>
+              <a:rPr lang="de-AT" dirty="0" smtClean="0"/>
+              <a:t>a1, a2,..</a:t>
+            </a:r>
+          </a:p>
+          <a:p>
+            <a:r>
+              <a:rPr lang="de-AT" dirty="0" smtClean="0"/>
+              <a:t>Nur ein Buchstabe (außerhalb von Schleifen)</a:t>
+            </a:r>
+          </a:p>
+          <a:p>
+            <a:pPr lvl="1"/>
+            <a:r>
+              <a:rPr lang="de-AT" dirty="0" smtClean="0"/>
+              <a:t>i</a:t>
+            </a:r>
+          </a:p>
+          <a:p>
+            <a:pPr lvl="1"/>
+            <a:r>
+              <a:rPr lang="de-AT" dirty="0" smtClean="0"/>
+              <a:t>x, ….</a:t>
+            </a:r>
+          </a:p>
+          <a:p>
+            <a:r>
+              <a:rPr lang="de-AT" dirty="0" smtClean="0"/>
+              <a:t>Abkürzungen</a:t>
+            </a:r>
+          </a:p>
+          <a:p>
+            <a:pPr lvl="1"/>
+            <a:r>
+              <a:rPr lang="de-AT" dirty="0"/>
+              <a:t>h</a:t>
+            </a:r>
+            <a:r>
+              <a:rPr lang="de-AT" dirty="0" smtClean="0"/>
+              <a:t>    // </a:t>
+            </a:r>
+            <a:r>
+              <a:rPr lang="de-AT" dirty="0" err="1" smtClean="0"/>
+              <a:t>hours</a:t>
+            </a:r>
+            <a:endParaRPr lang="de-AT" dirty="0" smtClean="0"/>
+          </a:p>
+          <a:p>
+            <a:pPr lvl="1"/>
+            <a:r>
+              <a:rPr lang="de-AT" dirty="0"/>
+              <a:t>m</a:t>
+            </a:r>
+            <a:r>
+              <a:rPr lang="de-AT" dirty="0" smtClean="0"/>
+              <a:t>   // </a:t>
+            </a:r>
+            <a:r>
+              <a:rPr lang="de-AT" dirty="0" err="1" smtClean="0"/>
+              <a:t>meters</a:t>
+            </a:r>
+            <a:r>
+              <a:rPr lang="de-AT" dirty="0" smtClean="0"/>
+              <a:t>, </a:t>
+            </a:r>
+            <a:r>
+              <a:rPr lang="de-AT" dirty="0" err="1" smtClean="0"/>
+              <a:t>minutes</a:t>
+            </a:r>
+            <a:endParaRPr lang="de-AT" dirty="0" smtClean="0"/>
+          </a:p>
+          <a:p>
+            <a:r>
+              <a:rPr lang="de-AT" dirty="0" smtClean="0"/>
+              <a:t>Unaussprechliche Namen</a:t>
+            </a:r>
+          </a:p>
+          <a:p>
+            <a:pPr lvl="1"/>
+            <a:r>
+              <a:rPr lang="de-AT" dirty="0" err="1" smtClean="0"/>
+              <a:t>txtPwordCfrm</a:t>
+            </a:r>
+            <a:endParaRPr lang="de-AT" dirty="0" smtClean="0"/>
+          </a:p>
+          <a:p>
+            <a:r>
+              <a:rPr lang="de-AT" dirty="0" smtClean="0"/>
+              <a:t>Falsche Bedeutungen</a:t>
+            </a:r>
+          </a:p>
+          <a:p>
+            <a:pPr lvl="1"/>
+            <a:r>
+              <a:rPr lang="de-AT" dirty="0" err="1"/>
+              <a:t>n</a:t>
+            </a:r>
+            <a:r>
+              <a:rPr lang="de-AT" dirty="0" err="1" smtClean="0"/>
+              <a:t>ame</a:t>
+            </a:r>
+            <a:r>
+              <a:rPr lang="de-AT" dirty="0" smtClean="0"/>
+              <a:t>  //Länge des Nachnamen</a:t>
+            </a:r>
+          </a:p>
+          <a:p>
+            <a:pPr lvl="1"/>
+            <a:r>
+              <a:rPr lang="de-AT" dirty="0" err="1" smtClean="0"/>
+              <a:t>numberOfApples</a:t>
+            </a:r>
+            <a:r>
+              <a:rPr lang="de-AT" dirty="0" smtClean="0"/>
+              <a:t> = ‘‘10‘‘</a:t>
+            </a:r>
+          </a:p>
+          <a:p>
+            <a:pPr lvl="1"/>
+            <a:endParaRPr lang="de-AT" dirty="0" smtClean="0"/>
+          </a:p>
+          <a:p>
+            <a:pPr lvl="1"/>
+            <a:endParaRPr lang="de-AT" dirty="0" smtClean="0"/>
+          </a:p>
+          <a:p>
+            <a:endParaRPr lang="de-AT" dirty="0" smtClean="0"/>
+          </a:p>
+          <a:p>
+            <a:pPr lvl="1"/>
+            <a:endParaRPr lang="de-AT" dirty="0"/>
+          </a:p>
+          <a:p>
+            <a:endParaRPr lang="en-US" dirty="0"/>
+          </a:p>
+        </p:txBody>
+      </p:sp>
+      <p:pic>
+        <p:nvPicPr>
+          <p:cNvPr id="4" name="Inhaltsplatzhalter 8">
+            <a:extLst>
+              <a:ext uri="{FF2B5EF4-FFF2-40B4-BE49-F238E27FC236}">
+                <a16:creationId xmlns:a16="http://schemas.microsoft.com/office/drawing/2014/main" id="{F2D66CEF-E41B-41A7-BD4A-3D16F2D9CE45}"/>
+              </a:ext>
+            </a:extLst>
+          </p:cNvPr>
+          <p:cNvPicPr>
+            <a:picLocks noChangeAspect="1"/>
+          </p:cNvPicPr>
+          <p:nvPr/>
+        </p:nvPicPr>
+        <p:blipFill>
+          <a:blip r:embed="rId2">
+            <a:extLst>
+              <a:ext uri="{28A0092B-C50C-407E-A947-70E740481C1C}">
+                <a14:useLocalDpi xmlns:a14="http://schemas.microsoft.com/office/drawing/2010/main" val="0"/>
+              </a:ext>
+            </a:extLst>
+          </a:blip>
+          <a:stretch>
+            <a:fillRect/>
+          </a:stretch>
+        </p:blipFill>
+        <p:spPr>
+          <a:xfrm>
+            <a:off x="7087475" y="2057400"/>
+            <a:ext cx="2973857" cy="4163401"/>
+          </a:xfrm>
+          <a:prstGeom prst="rect">
+            <a:avLst/>
+          </a:prstGeom>
+        </p:spPr>
+      </p:pic>
+    </p:spTree>
+    <p:extLst>
+      <p:ext uri="{BB962C8B-B14F-4D97-AF65-F5344CB8AC3E}">
+        <p14:creationId xmlns:p14="http://schemas.microsoft.com/office/powerpoint/2010/main" val="3505440776"/>
+      </p:ext>
+    </p:extLst>
+  </p:cSld>
+  <p:clrMapOvr>
+    <a:masterClrMapping/>
+  </p:clrMapOvr>
+  <p:timing>
+    <p:tnLst>
+      <p:par>
+        <p:cTn id="1" dur="indefinite" restart="never" nodeType="tmRoot">
+          <p:childTnLst>
+            <p:seq concurrent="1" nextAc="seek">
+              <p:cTn id="2" dur="indefinite" nodeType="mainSeq">
+                <p:childTnLst>
+                  <p:par>
+                    <p:cTn id="3" fill="hold">
+                      <p:stCondLst>
+                        <p:cond delay="indefinite"/>
+                      </p:stCondLst>
+                      <p:childTnLst>
+                        <p:par>
+                          <p:cTn id="4" fill="hold">
+                            <p:stCondLst>
+                              <p:cond delay="0"/>
+                            </p:stCondLst>
+                            <p:childTnLst>
+                              <p:par>
+                                <p:cTn id="5" presetID="10" presetClass="entr" presetSubtype="0" fill="hold" grpId="0" nodeType="clickEffect">
+                                  <p:stCondLst>
+                                    <p:cond delay="0"/>
+                                  </p:stCondLst>
+                                  <p:childTnLst>
+                                    <p:set>
+                                      <p:cBhvr>
+                                        <p:cTn id="6" dur="1" fill="hold">
+                                          <p:stCondLst>
+                                            <p:cond delay="0"/>
+                                          </p:stCondLst>
+                                        </p:cTn>
+                                        <p:tgtEl>
+                                          <p:spTgt spid="3">
+                                            <p:txEl>
+                                              <p:pRg st="0" end="0"/>
+                                            </p:txEl>
+                                          </p:spTgt>
+                                        </p:tgtEl>
+                                        <p:attrNameLst>
+                                          <p:attrName>style.visibility</p:attrName>
+                                        </p:attrNameLst>
+                                      </p:cBhvr>
+                                      <p:to>
+                                        <p:strVal val="visible"/>
+                                      </p:to>
+                                    </p:set>
+                                    <p:animEffect transition="in" filter="fade">
+                                      <p:cBhvr>
+                                        <p:cTn id="7" dur="500"/>
+                                        <p:tgtEl>
+                                          <p:spTgt spid="3">
+                                            <p:txEl>
+                                              <p:pRg st="0" end="0"/>
+                                            </p:txEl>
+                                          </p:spTgt>
+                                        </p:tgtEl>
+                                      </p:cBhvr>
+                                    </p:animEffect>
+                                  </p:childTnLst>
+                                </p:cTn>
+                              </p:par>
+                              <p:par>
+                                <p:cTn id="8" presetID="10" presetClass="entr" presetSubtype="0" fill="hold" grpId="0" nodeType="withEffect">
+                                  <p:stCondLst>
+                                    <p:cond delay="0"/>
+                                  </p:stCondLst>
+                                  <p:childTnLst>
+                                    <p:set>
+                                      <p:cBhvr>
+                                        <p:cTn id="9" dur="1" fill="hold">
+                                          <p:stCondLst>
+                                            <p:cond delay="0"/>
+                                          </p:stCondLst>
+                                        </p:cTn>
+                                        <p:tgtEl>
+                                          <p:spTgt spid="3">
+                                            <p:txEl>
+                                              <p:pRg st="1" end="1"/>
+                                            </p:txEl>
+                                          </p:spTgt>
+                                        </p:tgtEl>
+                                        <p:attrNameLst>
+                                          <p:attrName>style.visibility</p:attrName>
+                                        </p:attrNameLst>
+                                      </p:cBhvr>
+                                      <p:to>
+                                        <p:strVal val="visible"/>
+                                      </p:to>
+                                    </p:set>
+                                    <p:animEffect transition="in" filter="fade">
+                                      <p:cBhvr>
+                                        <p:cTn id="10" dur="500"/>
+                                        <p:tgtEl>
+                                          <p:spTgt spid="3">
+                                            <p:txEl>
+                                              <p:pRg st="1" end="1"/>
+                                            </p:txEl>
+                                          </p:spTgt>
+                                        </p:tgtEl>
+                                      </p:cBhvr>
+                                    </p:animEffect>
+                                  </p:childTnLst>
+                                </p:cTn>
+                              </p:par>
+                              <p:par>
+                                <p:cTn id="11" presetID="10" presetClass="entr" presetSubtype="0" fill="hold" grpId="0" nodeType="withEffect">
+                                  <p:stCondLst>
+                                    <p:cond delay="0"/>
+                                  </p:stCondLst>
+                                  <p:childTnLst>
+                                    <p:set>
+                                      <p:cBhvr>
+                                        <p:cTn id="12" dur="1" fill="hold">
+                                          <p:stCondLst>
+                                            <p:cond delay="0"/>
+                                          </p:stCondLst>
+                                        </p:cTn>
+                                        <p:tgtEl>
+                                          <p:spTgt spid="3">
+                                            <p:txEl>
+                                              <p:pRg st="2" end="2"/>
+                                            </p:txEl>
+                                          </p:spTgt>
+                                        </p:tgtEl>
+                                        <p:attrNameLst>
+                                          <p:attrName>style.visibility</p:attrName>
+                                        </p:attrNameLst>
+                                      </p:cBhvr>
+                                      <p:to>
+                                        <p:strVal val="visible"/>
+                                      </p:to>
+                                    </p:set>
+                                    <p:animEffect transition="in" filter="fade">
+                                      <p:cBhvr>
+                                        <p:cTn id="13" dur="500"/>
+                                        <p:tgtEl>
+                                          <p:spTgt spid="3">
+                                            <p:txEl>
+                                              <p:pRg st="2" end="2"/>
+                                            </p:txEl>
+                                          </p:spTgt>
+                                        </p:tgtEl>
+                                      </p:cBhvr>
+                                    </p:animEffect>
+                                  </p:childTnLst>
+                                </p:cTn>
+                              </p:par>
+                              <p:par>
+                                <p:cTn id="14" presetID="10" presetClass="entr" presetSubtype="0" fill="hold" grpId="0" nodeType="withEffect">
+                                  <p:stCondLst>
+                                    <p:cond delay="0"/>
+                                  </p:stCondLst>
+                                  <p:childTnLst>
+                                    <p:set>
+                                      <p:cBhvr>
+                                        <p:cTn id="15" dur="1" fill="hold">
+                                          <p:stCondLst>
+                                            <p:cond delay="0"/>
+                                          </p:stCondLst>
+                                        </p:cTn>
+                                        <p:tgtEl>
+                                          <p:spTgt spid="3">
+                                            <p:txEl>
+                                              <p:pRg st="3" end="3"/>
+                                            </p:txEl>
+                                          </p:spTgt>
+                                        </p:tgtEl>
+                                        <p:attrNameLst>
+                                          <p:attrName>style.visibility</p:attrName>
+                                        </p:attrNameLst>
+                                      </p:cBhvr>
+                                      <p:to>
+                                        <p:strVal val="visible"/>
+                                      </p:to>
+                                    </p:set>
+                                    <p:animEffect transition="in" filter="fade">
+                                      <p:cBhvr>
+                                        <p:cTn id="16" dur="500"/>
+                                        <p:tgtEl>
+                                          <p:spTgt spid="3">
+                                            <p:txEl>
+                                              <p:pRg st="3" end="3"/>
+                                            </p:txEl>
+                                          </p:spTgt>
+                                        </p:tgtEl>
+                                      </p:cBhvr>
+                                    </p:animEffect>
+                                  </p:childTnLst>
+                                </p:cTn>
+                              </p:par>
+                            </p:childTnLst>
+                          </p:cTn>
+                        </p:par>
+                      </p:childTnLst>
+                    </p:cTn>
+                  </p:par>
+                  <p:par>
+                    <p:cTn id="17" fill="hold">
+                      <p:stCondLst>
+                        <p:cond delay="indefinite"/>
+                      </p:stCondLst>
+                      <p:childTnLst>
+                        <p:par>
+                          <p:cTn id="18" fill="hold">
+                            <p:stCondLst>
+                              <p:cond delay="0"/>
+                            </p:stCondLst>
+                            <p:childTnLst>
+                              <p:par>
+                                <p:cTn id="19" presetID="10" presetClass="entr" presetSubtype="0" fill="hold" grpId="0" nodeType="clickEffect">
+                                  <p:stCondLst>
+                                    <p:cond delay="0"/>
+                                  </p:stCondLst>
+                                  <p:childTnLst>
+                                    <p:set>
+                                      <p:cBhvr>
+                                        <p:cTn id="20" dur="1" fill="hold">
+                                          <p:stCondLst>
+                                            <p:cond delay="0"/>
+                                          </p:stCondLst>
+                                        </p:cTn>
+                                        <p:tgtEl>
+                                          <p:spTgt spid="3">
+                                            <p:txEl>
+                                              <p:pRg st="4" end="4"/>
+                                            </p:txEl>
+                                          </p:spTgt>
+                                        </p:tgtEl>
+                                        <p:attrNameLst>
+                                          <p:attrName>style.visibility</p:attrName>
+                                        </p:attrNameLst>
+                                      </p:cBhvr>
+                                      <p:to>
+                                        <p:strVal val="visible"/>
+                                      </p:to>
+                                    </p:set>
+                                    <p:animEffect transition="in" filter="fade">
+                                      <p:cBhvr>
+                                        <p:cTn id="21" dur="500"/>
+                                        <p:tgtEl>
+                                          <p:spTgt spid="3">
+                                            <p:txEl>
+                                              <p:pRg st="4" end="4"/>
+                                            </p:txEl>
+                                          </p:spTgt>
+                                        </p:tgtEl>
+                                      </p:cBhvr>
+                                    </p:animEffect>
+                                  </p:childTnLst>
+                                </p:cTn>
+                              </p:par>
+                              <p:par>
+                                <p:cTn id="22" presetID="10" presetClass="entr" presetSubtype="0" fill="hold" grpId="0" nodeType="withEffect">
+                                  <p:stCondLst>
+                                    <p:cond delay="0"/>
+                                  </p:stCondLst>
+                                  <p:childTnLst>
+                                    <p:set>
+                                      <p:cBhvr>
+                                        <p:cTn id="23" dur="1" fill="hold">
+                                          <p:stCondLst>
+                                            <p:cond delay="0"/>
+                                          </p:stCondLst>
+                                        </p:cTn>
+                                        <p:tgtEl>
+                                          <p:spTgt spid="3">
+                                            <p:txEl>
+                                              <p:pRg st="5" end="5"/>
+                                            </p:txEl>
+                                          </p:spTgt>
+                                        </p:tgtEl>
+                                        <p:attrNameLst>
+                                          <p:attrName>style.visibility</p:attrName>
+                                        </p:attrNameLst>
+                                      </p:cBhvr>
+                                      <p:to>
+                                        <p:strVal val="visible"/>
+                                      </p:to>
+                                    </p:set>
+                                    <p:animEffect transition="in" filter="fade">
+                                      <p:cBhvr>
+                                        <p:cTn id="24" dur="500"/>
+                                        <p:tgtEl>
+                                          <p:spTgt spid="3">
+                                            <p:txEl>
+                                              <p:pRg st="5" end="5"/>
+                                            </p:txEl>
+                                          </p:spTgt>
+                                        </p:tgtEl>
+                                      </p:cBhvr>
+                                    </p:animEffect>
+                                  </p:childTnLst>
+                                </p:cTn>
+                              </p:par>
+                              <p:par>
+                                <p:cTn id="25" presetID="10" presetClass="entr" presetSubtype="0" fill="hold" grpId="0" nodeType="withEffect">
+                                  <p:stCondLst>
+                                    <p:cond delay="0"/>
+                                  </p:stCondLst>
+                                  <p:childTnLst>
+                                    <p:set>
+                                      <p:cBhvr>
+                                        <p:cTn id="26" dur="1" fill="hold">
+                                          <p:stCondLst>
+                                            <p:cond delay="0"/>
+                                          </p:stCondLst>
+                                        </p:cTn>
+                                        <p:tgtEl>
+                                          <p:spTgt spid="3">
+                                            <p:txEl>
+                                              <p:pRg st="6" end="6"/>
+                                            </p:txEl>
+                                          </p:spTgt>
+                                        </p:tgtEl>
+                                        <p:attrNameLst>
+                                          <p:attrName>style.visibility</p:attrName>
+                                        </p:attrNameLst>
+                                      </p:cBhvr>
+                                      <p:to>
+                                        <p:strVal val="visible"/>
+                                      </p:to>
+                                    </p:set>
+                                    <p:animEffect transition="in" filter="fade">
+                                      <p:cBhvr>
+                                        <p:cTn id="27" dur="500"/>
+                                        <p:tgtEl>
+                                          <p:spTgt spid="3">
+                                            <p:txEl>
+                                              <p:pRg st="6" end="6"/>
+                                            </p:txEl>
+                                          </p:spTgt>
+                                        </p:tgtEl>
+                                      </p:cBhvr>
+                                    </p:animEffect>
+                                  </p:childTnLst>
+                                </p:cTn>
+                              </p:par>
+                            </p:childTnLst>
+                          </p:cTn>
+                        </p:par>
+                      </p:childTnLst>
+                    </p:cTn>
+                  </p:par>
+                  <p:par>
+                    <p:cTn id="28" fill="hold">
+                      <p:stCondLst>
+                        <p:cond delay="indefinite"/>
+                      </p:stCondLst>
+                      <p:childTnLst>
+                        <p:par>
+                          <p:cTn id="29" fill="hold">
+                            <p:stCondLst>
+                              <p:cond delay="0"/>
+                            </p:stCondLst>
+                            <p:childTnLst>
+                              <p:par>
+                                <p:cTn id="30" presetID="10" presetClass="entr" presetSubtype="0" fill="hold" grpId="0" nodeType="clickEffect">
+                                  <p:stCondLst>
+                                    <p:cond delay="0"/>
+                                  </p:stCondLst>
+                                  <p:childTnLst>
+                                    <p:set>
+                                      <p:cBhvr>
+                                        <p:cTn id="31" dur="1" fill="hold">
+                                          <p:stCondLst>
+                                            <p:cond delay="0"/>
+                                          </p:stCondLst>
+                                        </p:cTn>
+                                        <p:tgtEl>
+                                          <p:spTgt spid="3">
+                                            <p:txEl>
+                                              <p:pRg st="7" end="7"/>
+                                            </p:txEl>
+                                          </p:spTgt>
+                                        </p:tgtEl>
+                                        <p:attrNameLst>
+                                          <p:attrName>style.visibility</p:attrName>
+                                        </p:attrNameLst>
+                                      </p:cBhvr>
+                                      <p:to>
+                                        <p:strVal val="visible"/>
+                                      </p:to>
+                                    </p:set>
+                                    <p:animEffect transition="in" filter="fade">
+                                      <p:cBhvr>
+                                        <p:cTn id="32" dur="500"/>
+                                        <p:tgtEl>
+                                          <p:spTgt spid="3">
+                                            <p:txEl>
+                                              <p:pRg st="7" end="7"/>
+                                            </p:txEl>
+                                          </p:spTgt>
+                                        </p:tgtEl>
+                                      </p:cBhvr>
+                                    </p:animEffect>
+                                  </p:childTnLst>
+                                </p:cTn>
+                              </p:par>
+                              <p:par>
+                                <p:cTn id="33" presetID="10" presetClass="entr" presetSubtype="0" fill="hold" grpId="0" nodeType="withEffect">
+                                  <p:stCondLst>
+                                    <p:cond delay="0"/>
+                                  </p:stCondLst>
+                                  <p:childTnLst>
+                                    <p:set>
+                                      <p:cBhvr>
+                                        <p:cTn id="34" dur="1" fill="hold">
+                                          <p:stCondLst>
+                                            <p:cond delay="0"/>
+                                          </p:stCondLst>
+                                        </p:cTn>
+                                        <p:tgtEl>
+                                          <p:spTgt spid="3">
+                                            <p:txEl>
+                                              <p:pRg st="8" end="8"/>
+                                            </p:txEl>
+                                          </p:spTgt>
+                                        </p:tgtEl>
+                                        <p:attrNameLst>
+                                          <p:attrName>style.visibility</p:attrName>
+                                        </p:attrNameLst>
+                                      </p:cBhvr>
+                                      <p:to>
+                                        <p:strVal val="visible"/>
+                                      </p:to>
+                                    </p:set>
+                                    <p:animEffect transition="in" filter="fade">
+                                      <p:cBhvr>
+                                        <p:cTn id="35" dur="500"/>
+                                        <p:tgtEl>
+                                          <p:spTgt spid="3">
+                                            <p:txEl>
+                                              <p:pRg st="8" end="8"/>
+                                            </p:txEl>
+                                          </p:spTgt>
+                                        </p:tgtEl>
+                                      </p:cBhvr>
+                                    </p:animEffect>
+                                  </p:childTnLst>
+                                </p:cTn>
+                              </p:par>
+                              <p:par>
+                                <p:cTn id="36" presetID="10" presetClass="entr" presetSubtype="0" fill="hold" grpId="0" nodeType="withEffect">
+                                  <p:stCondLst>
+                                    <p:cond delay="0"/>
+                                  </p:stCondLst>
+                                  <p:childTnLst>
+                                    <p:set>
+                                      <p:cBhvr>
+                                        <p:cTn id="37" dur="1" fill="hold">
+                                          <p:stCondLst>
+                                            <p:cond delay="0"/>
+                                          </p:stCondLst>
+                                        </p:cTn>
+                                        <p:tgtEl>
+                                          <p:spTgt spid="3">
+                                            <p:txEl>
+                                              <p:pRg st="9" end="9"/>
+                                            </p:txEl>
+                                          </p:spTgt>
+                                        </p:tgtEl>
+                                        <p:attrNameLst>
+                                          <p:attrName>style.visibility</p:attrName>
+                                        </p:attrNameLst>
+                                      </p:cBhvr>
+                                      <p:to>
+                                        <p:strVal val="visible"/>
+                                      </p:to>
+                                    </p:set>
+                                    <p:animEffect transition="in" filter="fade">
+                                      <p:cBhvr>
+                                        <p:cTn id="38" dur="500"/>
+                                        <p:tgtEl>
+                                          <p:spTgt spid="3">
+                                            <p:txEl>
+                                              <p:pRg st="9" end="9"/>
+                                            </p:txEl>
+                                          </p:spTgt>
+                                        </p:tgtEl>
+                                      </p:cBhvr>
+                                    </p:animEffect>
+                                  </p:childTnLst>
+                                </p:cTn>
+                              </p:par>
+                            </p:childTnLst>
+                          </p:cTn>
+                        </p:par>
+                      </p:childTnLst>
+                    </p:cTn>
+                  </p:par>
+                  <p:par>
+                    <p:cTn id="39" fill="hold">
+                      <p:stCondLst>
+                        <p:cond delay="indefinite"/>
+                      </p:stCondLst>
+                      <p:childTnLst>
+                        <p:par>
+                          <p:cTn id="40" fill="hold">
+                            <p:stCondLst>
+                              <p:cond delay="0"/>
+                            </p:stCondLst>
+                            <p:childTnLst>
+                              <p:par>
+                                <p:cTn id="41" presetID="10" presetClass="entr" presetSubtype="0" fill="hold" grpId="0" nodeType="clickEffect">
+                                  <p:stCondLst>
+                                    <p:cond delay="0"/>
+                                  </p:stCondLst>
+                                  <p:childTnLst>
+                                    <p:set>
+                                      <p:cBhvr>
+                                        <p:cTn id="42" dur="1" fill="hold">
+                                          <p:stCondLst>
+                                            <p:cond delay="0"/>
+                                          </p:stCondLst>
+                                        </p:cTn>
+                                        <p:tgtEl>
+                                          <p:spTgt spid="3">
+                                            <p:txEl>
+                                              <p:pRg st="10" end="10"/>
+                                            </p:txEl>
+                                          </p:spTgt>
+                                        </p:tgtEl>
+                                        <p:attrNameLst>
+                                          <p:attrName>style.visibility</p:attrName>
+                                        </p:attrNameLst>
+                                      </p:cBhvr>
+                                      <p:to>
+                                        <p:strVal val="visible"/>
+                                      </p:to>
+                                    </p:set>
+                                    <p:animEffect transition="in" filter="fade">
+                                      <p:cBhvr>
+                                        <p:cTn id="43" dur="500"/>
+                                        <p:tgtEl>
+                                          <p:spTgt spid="3">
+                                            <p:txEl>
+                                              <p:pRg st="10" end="10"/>
+                                            </p:txEl>
+                                          </p:spTgt>
+                                        </p:tgtEl>
+                                      </p:cBhvr>
+                                    </p:animEffect>
+                                  </p:childTnLst>
+                                </p:cTn>
+                              </p:par>
+                              <p:par>
+                                <p:cTn id="44" presetID="10" presetClass="entr" presetSubtype="0" fill="hold" grpId="0" nodeType="withEffect">
+                                  <p:stCondLst>
+                                    <p:cond delay="0"/>
+                                  </p:stCondLst>
+                                  <p:childTnLst>
+                                    <p:set>
+                                      <p:cBhvr>
+                                        <p:cTn id="45" dur="1" fill="hold">
+                                          <p:stCondLst>
+                                            <p:cond delay="0"/>
+                                          </p:stCondLst>
+                                        </p:cTn>
+                                        <p:tgtEl>
+                                          <p:spTgt spid="3">
+                                            <p:txEl>
+                                              <p:pRg st="11" end="11"/>
+                                            </p:txEl>
+                                          </p:spTgt>
+                                        </p:tgtEl>
+                                        <p:attrNameLst>
+                                          <p:attrName>style.visibility</p:attrName>
+                                        </p:attrNameLst>
+                                      </p:cBhvr>
+                                      <p:to>
+                                        <p:strVal val="visible"/>
+                                      </p:to>
+                                    </p:set>
+                                    <p:animEffect transition="in" filter="fade">
+                                      <p:cBhvr>
+                                        <p:cTn id="46" dur="500"/>
+                                        <p:tgtEl>
+                                          <p:spTgt spid="3">
+                                            <p:txEl>
+                                              <p:pRg st="11" end="11"/>
+                                            </p:txEl>
+                                          </p:spTgt>
+                                        </p:tgtEl>
+                                      </p:cBhvr>
+                                    </p:animEffect>
+                                  </p:childTnLst>
+                                </p:cTn>
+                              </p:par>
+                            </p:childTnLst>
+                          </p:cTn>
+                        </p:par>
+                      </p:childTnLst>
+                    </p:cTn>
+                  </p:par>
+                  <p:par>
+                    <p:cTn id="47" fill="hold">
+                      <p:stCondLst>
+                        <p:cond delay="indefinite"/>
+                      </p:stCondLst>
+                      <p:childTnLst>
+                        <p:par>
+                          <p:cTn id="48" fill="hold">
+                            <p:stCondLst>
+                              <p:cond delay="0"/>
+                            </p:stCondLst>
+                            <p:childTnLst>
+                              <p:par>
+                                <p:cTn id="49" presetID="10" presetClass="entr" presetSubtype="0" fill="hold" grpId="0" nodeType="clickEffect">
+                                  <p:stCondLst>
+                                    <p:cond delay="0"/>
+                                  </p:stCondLst>
+                                  <p:childTnLst>
+                                    <p:set>
+                                      <p:cBhvr>
+                                        <p:cTn id="50" dur="1" fill="hold">
+                                          <p:stCondLst>
+                                            <p:cond delay="0"/>
+                                          </p:stCondLst>
+                                        </p:cTn>
+                                        <p:tgtEl>
+                                          <p:spTgt spid="3">
+                                            <p:txEl>
+                                              <p:pRg st="12" end="12"/>
+                                            </p:txEl>
+                                          </p:spTgt>
+                                        </p:tgtEl>
+                                        <p:attrNameLst>
+                                          <p:attrName>style.visibility</p:attrName>
+                                        </p:attrNameLst>
+                                      </p:cBhvr>
+                                      <p:to>
+                                        <p:strVal val="visible"/>
+                                      </p:to>
+                                    </p:set>
+                                    <p:animEffect transition="in" filter="fade">
+                                      <p:cBhvr>
+                                        <p:cTn id="51" dur="500"/>
+                                        <p:tgtEl>
+                                          <p:spTgt spid="3">
+                                            <p:txEl>
+                                              <p:pRg st="12" end="12"/>
+                                            </p:txEl>
+                                          </p:spTgt>
+                                        </p:tgtEl>
+                                      </p:cBhvr>
+                                    </p:animEffect>
+                                  </p:childTnLst>
+                                </p:cTn>
+                              </p:par>
+                              <p:par>
+                                <p:cTn id="52" presetID="10" presetClass="entr" presetSubtype="0" fill="hold" grpId="0" nodeType="withEffect">
+                                  <p:stCondLst>
+                                    <p:cond delay="0"/>
+                                  </p:stCondLst>
+                                  <p:childTnLst>
+                                    <p:set>
+                                      <p:cBhvr>
+                                        <p:cTn id="53" dur="1" fill="hold">
+                                          <p:stCondLst>
+                                            <p:cond delay="0"/>
+                                          </p:stCondLst>
+                                        </p:cTn>
+                                        <p:tgtEl>
+                                          <p:spTgt spid="3">
+                                            <p:txEl>
+                                              <p:pRg st="13" end="13"/>
+                                            </p:txEl>
+                                          </p:spTgt>
+                                        </p:tgtEl>
+                                        <p:attrNameLst>
+                                          <p:attrName>style.visibility</p:attrName>
+                                        </p:attrNameLst>
+                                      </p:cBhvr>
+                                      <p:to>
+                                        <p:strVal val="visible"/>
+                                      </p:to>
+                                    </p:set>
+                                    <p:animEffect transition="in" filter="fade">
+                                      <p:cBhvr>
+                                        <p:cTn id="54" dur="500"/>
+                                        <p:tgtEl>
+                                          <p:spTgt spid="3">
+                                            <p:txEl>
+                                              <p:pRg st="13" end="13"/>
+                                            </p:txEl>
+                                          </p:spTgt>
+                                        </p:tgtEl>
+                                      </p:cBhvr>
+                                    </p:animEffect>
+                                  </p:childTnLst>
+                                </p:cTn>
+                              </p:par>
+                              <p:par>
+                                <p:cTn id="55" presetID="10" presetClass="entr" presetSubtype="0" fill="hold" grpId="0" nodeType="withEffect">
+                                  <p:stCondLst>
+                                    <p:cond delay="0"/>
+                                  </p:stCondLst>
+                                  <p:childTnLst>
+                                    <p:set>
+                                      <p:cBhvr>
+                                        <p:cTn id="56" dur="1" fill="hold">
+                                          <p:stCondLst>
+                                            <p:cond delay="0"/>
+                                          </p:stCondLst>
+                                        </p:cTn>
+                                        <p:tgtEl>
+                                          <p:spTgt spid="3">
+                                            <p:txEl>
+                                              <p:pRg st="14" end="14"/>
+                                            </p:txEl>
+                                          </p:spTgt>
+                                        </p:tgtEl>
+                                        <p:attrNameLst>
+                                          <p:attrName>style.visibility</p:attrName>
+                                        </p:attrNameLst>
+                                      </p:cBhvr>
+                                      <p:to>
+                                        <p:strVal val="visible"/>
+                                      </p:to>
+                                    </p:set>
+                                    <p:animEffect transition="in" filter="fade">
+                                      <p:cBhvr>
+                                        <p:cTn id="57" dur="500"/>
+                                        <p:tgtEl>
+                                          <p:spTgt spid="3">
+                                            <p:txEl>
+                                              <p:pRg st="14" end="14"/>
+                                            </p:txEl>
+                                          </p:spTgt>
+                                        </p:tgtEl>
+                                      </p:cBhvr>
+                                    </p:animEffect>
+                                  </p:childTnLst>
+                                </p:cTn>
+                              </p:par>
+                            </p:childTnLst>
+                          </p:cTn>
+                        </p:par>
+                      </p:childTnLst>
+                    </p:cTn>
+                  </p:par>
+                </p:childTnLst>
+              </p:cTn>
+              <p:prevCondLst>
+                <p:cond evt="onPrev" delay="0">
+                  <p:tgtEl>
+                    <p:sldTgt/>
+                  </p:tgtEl>
+                </p:cond>
+              </p:prevCondLst>
+              <p:nextCondLst>
+                <p:cond evt="onNext" delay="0">
+                  <p:tgtEl>
+                    <p:sldTgt/>
+                  </p:tgtEl>
+                </p:cond>
+              </p:nextCondLst>
+            </p:seq>
+          </p:childTnLst>
+        </p:cTn>
+      </p:par>
+    </p:tnLst>
+    <p:bldLst>
+      <p:bldP spid="3" grpId="0" build="p"/>
+    </p:bldLst>
+  </p:timing>
+</p:sld>
+</file>
+
+<file path=ppt/slides/slide42.xml><?xml version="1.0" encoding="utf-8"?>
 <p:sld xmlns:a="http://schemas.openxmlformats.org/drawingml/2006/main" xmlns:r="http://schemas.openxmlformats.org/officeDocument/2006/relationships" xmlns:p="http://schemas.openxmlformats.org/presentationml/2006/main">
   <p:cSld>
     <p:spTree>
